--- a/제출자료/발표자료/발표 자료_10주차_12조.pptx
+++ b/제출자료/발표자료/발표 자료_10주차_12조.pptx
@@ -12608,16 +12608,56 @@
               </a:lnSpc>
             </a:pPr>
             <a:r>
-              <a:rPr lang="en-US" sz="4000" b="0" strike="noStrike" spc="-1">
+              <a:rPr lang="en-US" sz="4000" b="0" strike="noStrike" spc="-1" dirty="0" err="1">
                 <a:solidFill>
                   <a:srgbClr val="FFFFFF"/>
                 </a:solidFill>
                 <a:latin typeface="나눔명조"/>
                 <a:ea typeface="나눔명조"/>
               </a:rPr>
-              <a:t>쇼핑몰 이용자를 위한</a:t>
-            </a:r>
-            <a:endParaRPr lang="en-US" sz="4000" b="0" strike="noStrike" spc="-1">
+              <a:t>쇼핑몰</a:t>
+            </a:r>
+            <a:r>
+              <a:rPr lang="en-US" sz="4000" b="0" strike="noStrike" spc="-1" dirty="0">
+                <a:solidFill>
+                  <a:srgbClr val="FFFFFF"/>
+                </a:solidFill>
+                <a:latin typeface="나눔명조"/>
+                <a:ea typeface="나눔명조"/>
+              </a:rPr>
+              <a:t> </a:t>
+            </a:r>
+            <a:r>
+              <a:rPr lang="en-US" sz="4000" b="0" strike="noStrike" spc="-1" dirty="0" err="1">
+                <a:solidFill>
+                  <a:srgbClr val="FFFFFF"/>
+                </a:solidFill>
+                <a:latin typeface="나눔명조"/>
+                <a:ea typeface="나눔명조"/>
+              </a:rPr>
+              <a:t>이용자를</a:t>
+            </a:r>
+            <a:r>
+              <a:rPr lang="en-US" sz="4000" b="0" strike="noStrike" spc="-1" dirty="0">
+                <a:solidFill>
+                  <a:srgbClr val="FFFFFF"/>
+                </a:solidFill>
+                <a:latin typeface="나눔명조"/>
+                <a:ea typeface="나눔명조"/>
+              </a:rPr>
+              <a:t> </a:t>
+            </a:r>
+            <a:r>
+              <a:rPr lang="en-US" sz="4000" b="0" strike="noStrike" spc="-1" dirty="0" err="1">
+                <a:solidFill>
+                  <a:srgbClr val="FFFFFF"/>
+                </a:solidFill>
+                <a:latin typeface="나눔명조"/>
+                <a:ea typeface="나눔명조"/>
+              </a:rPr>
+              <a:t>위한</a:t>
+            </a:r>
+            <a:endParaRPr lang="en-US" sz="4000" b="0" strike="noStrike" spc="-1" dirty="0">
               <a:latin typeface="Times New Roman"/>
             </a:endParaRPr>
           </a:p>
@@ -12628,16 +12668,76 @@
               </a:lnSpc>
             </a:pPr>
             <a:r>
-              <a:rPr lang="en-US" sz="4000" b="0" strike="noStrike" spc="-1">
+              <a:rPr lang="en-US" sz="4000" b="0" strike="noStrike" spc="-1" dirty="0" err="1">
                 <a:solidFill>
                   <a:srgbClr val="FFFFFF"/>
                 </a:solidFill>
                 <a:latin typeface="나눔명조"/>
                 <a:ea typeface="나눔명조"/>
               </a:rPr>
-              <a:t>최적 경로 제안 프로그램</a:t>
-            </a:r>
-            <a:endParaRPr lang="en-US" sz="4000" b="0" strike="noStrike" spc="-1">
+              <a:t>최적</a:t>
+            </a:r>
+            <a:r>
+              <a:rPr lang="en-US" sz="4000" b="0" strike="noStrike" spc="-1" dirty="0">
+                <a:solidFill>
+                  <a:srgbClr val="FFFFFF"/>
+                </a:solidFill>
+                <a:latin typeface="나눔명조"/>
+                <a:ea typeface="나눔명조"/>
+              </a:rPr>
+              <a:t> </a:t>
+            </a:r>
+            <a:r>
+              <a:rPr lang="en-US" sz="4000" b="0" strike="noStrike" spc="-1" dirty="0" err="1">
+                <a:solidFill>
+                  <a:srgbClr val="FFFFFF"/>
+                </a:solidFill>
+                <a:latin typeface="나눔명조"/>
+                <a:ea typeface="나눔명조"/>
+              </a:rPr>
+              <a:t>경로</a:t>
+            </a:r>
+            <a:r>
+              <a:rPr lang="en-US" sz="4000" b="0" strike="noStrike" spc="-1" dirty="0">
+                <a:solidFill>
+                  <a:srgbClr val="FFFFFF"/>
+                </a:solidFill>
+                <a:latin typeface="나눔명조"/>
+                <a:ea typeface="나눔명조"/>
+              </a:rPr>
+              <a:t> </a:t>
+            </a:r>
+            <a:r>
+              <a:rPr lang="en-US" sz="4000" b="0" strike="noStrike" spc="-1" dirty="0" err="1">
+                <a:solidFill>
+                  <a:srgbClr val="FFFFFF"/>
+                </a:solidFill>
+                <a:latin typeface="나눔명조"/>
+                <a:ea typeface="나눔명조"/>
+              </a:rPr>
+              <a:t>제안</a:t>
+            </a:r>
+            <a:r>
+              <a:rPr lang="en-US" sz="4000" b="0" strike="noStrike" spc="-1" dirty="0">
+                <a:solidFill>
+                  <a:srgbClr val="FFFFFF"/>
+                </a:solidFill>
+                <a:latin typeface="나눔명조"/>
+                <a:ea typeface="나눔명조"/>
+              </a:rPr>
+              <a:t> </a:t>
+            </a:r>
+            <a:r>
+              <a:rPr lang="en-US" sz="4000" b="0" strike="noStrike" spc="-1" dirty="0" err="1">
+                <a:solidFill>
+                  <a:srgbClr val="FFFFFF"/>
+                </a:solidFill>
+                <a:latin typeface="나눔명조"/>
+                <a:ea typeface="나눔명조"/>
+              </a:rPr>
+              <a:t>프로그램</a:t>
+            </a:r>
+            <a:endParaRPr lang="en-US" sz="4000" b="0" strike="noStrike" spc="-1" dirty="0">
               <a:latin typeface="Times New Roman"/>
             </a:endParaRPr>
           </a:p>
@@ -21727,47 +21827,7 @@
                 <a:latin typeface="나눔고딕"/>
                 <a:ea typeface="나눔고딕"/>
               </a:rPr>
-              <a:t>앱에서 마커를 찍기 위해 주소를 위도</a:t>
-            </a:r>
-            <a:r>
-              <a:rPr lang="en-US" altLang="ko-KR" spc="-1" dirty="0">
-                <a:solidFill>
-                  <a:srgbClr val="745EA8"/>
-                </a:solidFill>
-                <a:latin typeface="나눔고딕"/>
-                <a:ea typeface="나눔고딕"/>
-              </a:rPr>
-              <a:t>/</a:t>
-            </a:r>
-            <a:r>
-              <a:rPr lang="ko-KR" altLang="en-US" spc="-1" dirty="0">
-                <a:solidFill>
-                  <a:srgbClr val="745EA8"/>
-                </a:solidFill>
-                <a:latin typeface="나눔고딕"/>
-                <a:ea typeface="나눔고딕"/>
-              </a:rPr>
-              <a:t>경도로 변환하여 </a:t>
-            </a:r>
-            <a:r>
-              <a:rPr lang="en-US" altLang="ko-KR" spc="-1" dirty="0">
-                <a:solidFill>
-                  <a:srgbClr val="745EA8"/>
-                </a:solidFill>
-                <a:latin typeface="나눔고딕"/>
-                <a:ea typeface="나눔고딕"/>
-              </a:rPr>
-              <a:t>DB</a:t>
-            </a:r>
-            <a:r>
-              <a:rPr lang="ko-KR" altLang="en-US" spc="-1" dirty="0">
-                <a:solidFill>
-                  <a:srgbClr val="745EA8"/>
-                </a:solidFill>
-                <a:latin typeface="나눔고딕"/>
-                <a:ea typeface="나눔고딕"/>
-              </a:rPr>
-              <a:t>에 저장</a:t>
+              <a:t>주소는 양식에 민감한 속성</a:t>
             </a:r>
             <a:endParaRPr lang="en-US" altLang="ko-KR" spc="-1" dirty="0">
               <a:solidFill>
@@ -21778,7 +21838,7 @@
             </a:endParaRPr>
           </a:p>
           <a:p>
-            <a:pPr marL="742950" lvl="1" indent="-285750" algn="just">
+            <a:pPr marL="1200150" lvl="2" indent="-285750" algn="just">
               <a:lnSpc>
                 <a:spcPct val="250000"/>
               </a:lnSpc>
@@ -21786,31 +21846,25 @@
               <a:buChar char="•"/>
             </a:pPr>
             <a:r>
-              <a:rPr lang="ko-KR" altLang="en-US" spc="-1" dirty="0">
+              <a:rPr lang="ko-KR" altLang="en-US" spc="-1" dirty="0" err="1">
                 <a:solidFill>
                   <a:srgbClr val="745EA8"/>
                 </a:solidFill>
                 <a:latin typeface="나눔고딕"/>
                 <a:ea typeface="나눔고딕"/>
               </a:rPr>
-              <a:t>구현중</a:t>
-            </a:r>
-            <a:endParaRPr lang="en-US" altLang="ko-KR" spc="-1" dirty="0">
-              <a:solidFill>
-                <a:srgbClr val="745EA8"/>
-              </a:solidFill>
-              <a:latin typeface="나눔고딕"/>
-              <a:ea typeface="나눔고딕"/>
-            </a:endParaRPr>
-          </a:p>
-          <a:p>
-            <a:pPr marL="742950" lvl="1" indent="-285750" algn="just">
-              <a:lnSpc>
-                <a:spcPct val="250000"/>
-              </a:lnSpc>
-              <a:buFont typeface="Arial" panose="020B0604020202020204" pitchFamily="34" charset="0"/>
-              <a:buChar char="•"/>
-            </a:pPr>
+              <a:t>구글맵으로</a:t>
+            </a:r>
+            <a:r>
+              <a:rPr lang="ko-KR" altLang="en-US" spc="-1" dirty="0">
+                <a:solidFill>
+                  <a:srgbClr val="745EA8"/>
+                </a:solidFill>
+                <a:latin typeface="나눔고딕"/>
+                <a:ea typeface="나눔고딕"/>
+              </a:rPr>
+              <a:t> 마커를 찍게 하는 방안으로 구상 중</a:t>
+            </a:r>
             <a:endParaRPr lang="en-US" altLang="ko-KR" spc="-1" dirty="0">
               <a:solidFill>
                 <a:srgbClr val="745EA8"/>
